--- a/Workshhop_final.pptx
+++ b/Workshhop_final.pptx
@@ -299,7 +299,7 @@
           <a:p>
             <a:fld id="{3F93A44A-676D-42C4-8220-23EBB20DC05A}" type="datetimeFigureOut">
               <a:rPr lang="en-US" smtClean="0"/>
-              <a:t>9/7/2013</a:t>
+              <a:t>9/8/2013</a:t>
             </a:fld>
             <a:endParaRPr lang="en-US"/>
           </a:p>
@@ -469,7 +469,7 @@
           <a:p>
             <a:fld id="{3F93A44A-676D-42C4-8220-23EBB20DC05A}" type="datetimeFigureOut">
               <a:rPr lang="en-US" smtClean="0"/>
-              <a:t>9/7/2013</a:t>
+              <a:t>9/8/2013</a:t>
             </a:fld>
             <a:endParaRPr lang="en-US"/>
           </a:p>
@@ -649,7 +649,7 @@
           <a:p>
             <a:fld id="{3F93A44A-676D-42C4-8220-23EBB20DC05A}" type="datetimeFigureOut">
               <a:rPr lang="en-US" smtClean="0"/>
-              <a:t>9/7/2013</a:t>
+              <a:t>9/8/2013</a:t>
             </a:fld>
             <a:endParaRPr lang="en-US"/>
           </a:p>
@@ -819,7 +819,7 @@
           <a:p>
             <a:fld id="{3F93A44A-676D-42C4-8220-23EBB20DC05A}" type="datetimeFigureOut">
               <a:rPr lang="en-US" smtClean="0"/>
-              <a:t>9/7/2013</a:t>
+              <a:t>9/8/2013</a:t>
             </a:fld>
             <a:endParaRPr lang="en-US"/>
           </a:p>
@@ -1065,7 +1065,7 @@
           <a:p>
             <a:fld id="{3F93A44A-676D-42C4-8220-23EBB20DC05A}" type="datetimeFigureOut">
               <a:rPr lang="en-US" smtClean="0"/>
-              <a:t>9/7/2013</a:t>
+              <a:t>9/8/2013</a:t>
             </a:fld>
             <a:endParaRPr lang="en-US"/>
           </a:p>
@@ -1353,7 +1353,7 @@
           <a:p>
             <a:fld id="{3F93A44A-676D-42C4-8220-23EBB20DC05A}" type="datetimeFigureOut">
               <a:rPr lang="en-US" smtClean="0"/>
-              <a:t>9/7/2013</a:t>
+              <a:t>9/8/2013</a:t>
             </a:fld>
             <a:endParaRPr lang="en-US"/>
           </a:p>
@@ -1775,7 +1775,7 @@
           <a:p>
             <a:fld id="{3F93A44A-676D-42C4-8220-23EBB20DC05A}" type="datetimeFigureOut">
               <a:rPr lang="en-US" smtClean="0"/>
-              <a:t>9/7/2013</a:t>
+              <a:t>9/8/2013</a:t>
             </a:fld>
             <a:endParaRPr lang="en-US"/>
           </a:p>
@@ -1893,7 +1893,7 @@
           <a:p>
             <a:fld id="{3F93A44A-676D-42C4-8220-23EBB20DC05A}" type="datetimeFigureOut">
               <a:rPr lang="en-US" smtClean="0"/>
-              <a:t>9/7/2013</a:t>
+              <a:t>9/8/2013</a:t>
             </a:fld>
             <a:endParaRPr lang="en-US"/>
           </a:p>
@@ -1988,7 +1988,7 @@
           <a:p>
             <a:fld id="{3F93A44A-676D-42C4-8220-23EBB20DC05A}" type="datetimeFigureOut">
               <a:rPr lang="en-US" smtClean="0"/>
-              <a:t>9/7/2013</a:t>
+              <a:t>9/8/2013</a:t>
             </a:fld>
             <a:endParaRPr lang="en-US"/>
           </a:p>
@@ -2265,7 +2265,7 @@
           <a:p>
             <a:fld id="{3F93A44A-676D-42C4-8220-23EBB20DC05A}" type="datetimeFigureOut">
               <a:rPr lang="en-US" smtClean="0"/>
-              <a:t>9/7/2013</a:t>
+              <a:t>9/8/2013</a:t>
             </a:fld>
             <a:endParaRPr lang="en-US"/>
           </a:p>
@@ -2518,7 +2518,7 @@
           <a:p>
             <a:fld id="{3F93A44A-676D-42C4-8220-23EBB20DC05A}" type="datetimeFigureOut">
               <a:rPr lang="en-US" smtClean="0"/>
-              <a:t>9/7/2013</a:t>
+              <a:t>9/8/2013</a:t>
             </a:fld>
             <a:endParaRPr lang="en-US"/>
           </a:p>
@@ -2731,7 +2731,7 @@
           <a:p>
             <a:fld id="{3F93A44A-676D-42C4-8220-23EBB20DC05A}" type="datetimeFigureOut">
               <a:rPr lang="en-US" smtClean="0"/>
-              <a:t>9/7/2013</a:t>
+              <a:t>9/8/2013</a:t>
             </a:fld>
             <a:endParaRPr lang="en-US"/>
           </a:p>
@@ -3415,25 +3415,38 @@
           </a:p>
         </p:txBody>
       </p:sp>
-      <p:sp>
-        <p:nvSpPr>
-          <p:cNvPr id="3" name="Content Placeholder 2"/>
-          <p:cNvSpPr>
-            <a:spLocks noGrp="1"/>
-          </p:cNvSpPr>
+      <p:pic>
+        <p:nvPicPr>
+          <p:cNvPr id="4" name="Content Placeholder 3"/>
+          <p:cNvPicPr>
+            <a:picLocks noGrp="1"/>
+          </p:cNvPicPr>
           <p:nvPr>
             <p:ph idx="1"/>
           </p:nvPr>
-        </p:nvSpPr>
-        <p:spPr/>
-        <p:txBody>
-          <a:bodyPr/>
-          <a:lstStyle/>
-          <a:p>
-            <a:endParaRPr lang="en-US"/>
-          </a:p>
-        </p:txBody>
-      </p:sp>
+        </p:nvPicPr>
+        <p:blipFill>
+          <a:blip r:embed="rId2">
+            <a:extLst>
+              <a:ext uri="{28A0092B-C50C-407E-A947-70E740481C1C}">
+                <a14:useLocalDpi xmlns:a14="http://schemas.microsoft.com/office/drawing/2010/main" val="0"/>
+              </a:ext>
+            </a:extLst>
+          </a:blip>
+          <a:stretch>
+            <a:fillRect/>
+          </a:stretch>
+        </p:blipFill>
+        <p:spPr>
+          <a:xfrm>
+            <a:off x="1066800" y="1219200"/>
+            <a:ext cx="7207624" cy="5406945"/>
+          </a:xfrm>
+          <a:prstGeom prst="rect">
+            <a:avLst/>
+          </a:prstGeom>
+        </p:spPr>
+      </p:pic>
     </p:spTree>
     <p:extLst>
       <p:ext uri="{BB962C8B-B14F-4D97-AF65-F5344CB8AC3E}">

--- a/Workshhop_final.pptx
+++ b/Workshhop_final.pptx
@@ -3656,19 +3656,19 @@
               <a:t> </a:t>
             </a:r>
             <a:r>
-              <a:rPr lang="en-US" i="1" dirty="0"/>
+              <a:rPr lang="en-US" dirty="0"/>
               <a:t>is </a:t>
             </a:r>
             <a:r>
-              <a:rPr lang="en-US" i="1" dirty="0" smtClean="0"/>
+              <a:rPr lang="en-US" dirty="0" smtClean="0"/>
               <a:t>an online </a:t>
             </a:r>
             <a:r>
-              <a:rPr lang="en-US" i="1" dirty="0"/>
+              <a:rPr lang="en-US" dirty="0"/>
               <a:t>photo app that creates hot-outta-the-oven new collages consisting of  your life’s most precious </a:t>
             </a:r>
             <a:r>
-              <a:rPr lang="en-US" i="1" dirty="0" smtClean="0"/>
+              <a:rPr lang="en-US" dirty="0" smtClean="0"/>
               <a:t>moments.</a:t>
             </a:r>
           </a:p>
@@ -3684,24 +3684,51 @@
               <a:t> </a:t>
             </a:r>
             <a:r>
-              <a:rPr lang="en-US" i="1" dirty="0"/>
-              <a:t>divides your day into its primary events, and then makes a beautiful collage out of your photos! It’s like an automatic diary that you can view, share and enjoy </a:t>
-            </a:r>
-            <a:r>
               <a:rPr lang="en-US" i="1" dirty="0" smtClean="0"/>
+              <a:t> </a:t>
+            </a:r>
+            <a:r>
+              <a:rPr lang="en-US" dirty="0" smtClean="0"/>
+              <a:t>divides </a:t>
+            </a:r>
+            <a:r>
+              <a:rPr lang="en-US" dirty="0"/>
+              <a:t>your day into its primary events, and then makes a beautiful collage out of your photos! It’s like an automatic </a:t>
+            </a:r>
+            <a:r>
+              <a:rPr lang="en-US" dirty="0" smtClean="0"/>
+              <a:t>diary with </a:t>
+            </a:r>
+            <a:r>
+              <a:rPr lang="en-US" smtClean="0"/>
+              <a:t>a </a:t>
+            </a:r>
+            <a:r>
+              <a:rPr lang="en-US" smtClean="0"/>
+              <a:t>map</a:t>
+            </a:r>
+            <a:r>
+              <a:rPr lang="en-US" smtClean="0"/>
+              <a:t> </a:t>
+            </a:r>
+            <a:r>
+              <a:rPr lang="en-US" dirty="0"/>
+              <a:t>that you can view, share and enjoy </a:t>
+            </a:r>
+            <a:r>
+              <a:rPr lang="en-US" dirty="0" smtClean="0"/>
               <a:t>forever.</a:t>
             </a:r>
           </a:p>
           <a:p>
             <a:r>
-              <a:rPr lang="en-US" i="1" dirty="0" smtClean="0"/>
+              <a:rPr lang="en-US" dirty="0" smtClean="0"/>
               <a:t>Simply </a:t>
             </a:r>
             <a:r>
-              <a:rPr lang="en-US" i="1" dirty="0"/>
+              <a:rPr lang="en-US" dirty="0"/>
               <a:t>choose your preferred mode of operation, your preferred style, and you’re set!</a:t>
             </a:r>
-            <a:endParaRPr lang="en-US" dirty="0"/>
           </a:p>
           <a:p>
             <a:endParaRPr lang="en-US" dirty="0"/>
@@ -3807,30 +3834,42 @@
           <a:p>
             <a:r>
               <a:rPr lang="en-US" dirty="0" smtClean="0"/>
-              <a:t>Tests </a:t>
-            </a:r>
-            <a:r>
-              <a:rPr lang="en-US" smtClean="0"/>
+              <a:t>Tested </a:t>
+            </a:r>
+            <a:r>
+              <a:rPr lang="en-US" dirty="0" smtClean="0"/>
               <a:t>on Nexus 1, Nexus 4</a:t>
             </a:r>
+          </a:p>
+          <a:p>
+            <a:r>
+              <a:rPr lang="en-US" dirty="0" smtClean="0"/>
+              <a:t>Coded in </a:t>
+            </a:r>
+            <a:r>
+              <a:rPr lang="en-US" dirty="0" smtClean="0"/>
+              <a:t>Java 1.6</a:t>
+            </a:r>
             <a:endParaRPr lang="en-US" dirty="0" smtClean="0"/>
           </a:p>
           <a:p>
             <a:r>
               <a:rPr lang="en-US" dirty="0" smtClean="0"/>
-              <a:t>Coded in Java</a:t>
-            </a:r>
-          </a:p>
-          <a:p>
-            <a:r>
-              <a:rPr lang="en-US" dirty="0" smtClean="0"/>
               <a:t>Uses Geo-Tagging ability that links location to taken photos.</a:t>
             </a:r>
           </a:p>
           <a:p>
             <a:r>
               <a:rPr lang="en-US" dirty="0" smtClean="0"/>
-              <a:t>Bing static map services – returns a map with the location of the photos</a:t>
+              <a:t>Uses </a:t>
+            </a:r>
+            <a:r>
+              <a:rPr lang="en-US" dirty="0" smtClean="0"/>
+              <a:t>Bing </a:t>
+            </a:r>
+            <a:r>
+              <a:rPr lang="en-US" dirty="0" smtClean="0"/>
+              <a:t>static map services – returns a map with the location of the photos</a:t>
             </a:r>
           </a:p>
         </p:txBody>
@@ -5083,7 +5122,7 @@
         <p:spPr/>
         <p:txBody>
           <a:bodyPr>
-            <a:normAutofit fontScale="92500" lnSpcReduction="20000"/>
+            <a:normAutofit fontScale="92500" lnSpcReduction="10000"/>
           </a:bodyPr>
           <a:lstStyle/>
           <a:p>
@@ -5095,33 +5134,52 @@
           <a:p>
             <a:r>
               <a:rPr lang="en-US" dirty="0" smtClean="0"/>
-              <a:t>How to arrange the photos around the map in an aesthetic manner (minimum lines intersecting)?</a:t>
-            </a:r>
-          </a:p>
-          <a:p>
-            <a:r>
-              <a:rPr lang="en-US" dirty="0" smtClean="0"/>
-              <a:t>Testing on data without deterministic output, dependent on multiple </a:t>
-            </a:r>
-            <a:r>
-              <a:rPr lang="en-US" dirty="0" err="1" smtClean="0"/>
-              <a:t>factores</a:t>
-            </a:r>
-            <a:r>
-              <a:rPr lang="en-US" dirty="0" smtClean="0"/>
-              <a:t>: time, location, number of photos</a:t>
-            </a:r>
-          </a:p>
-          <a:p>
-            <a:r>
-              <a:rPr lang="en-US" dirty="0" smtClean="0"/>
-              <a:t>Android as a new platform to learn</a:t>
-            </a:r>
-          </a:p>
-          <a:p>
-            <a:r>
-              <a:rPr lang="en-US" dirty="0" smtClean="0"/>
-              <a:t>Compatibility with older versions of Android</a:t>
+              <a:t>Testing </a:t>
+            </a:r>
+            <a:r>
+              <a:rPr lang="en-US" dirty="0" smtClean="0"/>
+              <a:t>on data without deterministic </a:t>
+            </a:r>
+            <a:r>
+              <a:rPr lang="en-US" dirty="0" smtClean="0"/>
+              <a:t>output  </a:t>
+            </a:r>
+            <a:r>
+              <a:rPr lang="en-US" dirty="0" smtClean="0"/>
+              <a:t>dependent on multiple </a:t>
+            </a:r>
+            <a:r>
+              <a:rPr lang="en-US" dirty="0" smtClean="0"/>
+              <a:t>factors</a:t>
+            </a:r>
+            <a:r>
+              <a:rPr lang="en-US" dirty="0" smtClean="0"/>
+              <a:t>: time, location, number of </a:t>
+            </a:r>
+            <a:r>
+              <a:rPr lang="en-US" dirty="0" smtClean="0"/>
+              <a:t>photos and also on randomized algorithms.</a:t>
+            </a:r>
+          </a:p>
+          <a:p>
+            <a:r>
+              <a:rPr lang="en-US" dirty="0" smtClean="0"/>
+              <a:t>Testing is depending on profiles of users.</a:t>
+            </a:r>
+            <a:endParaRPr lang="en-US" dirty="0" smtClean="0"/>
+          </a:p>
+          <a:p>
+            <a:r>
+              <a:rPr lang="en-US" dirty="0" smtClean="0"/>
+              <a:t>Android as a new platform to </a:t>
+            </a:r>
+            <a:r>
+              <a:rPr lang="en-US" dirty="0" smtClean="0"/>
+              <a:t>learn &amp; compatibility </a:t>
+            </a:r>
+            <a:r>
+              <a:rPr lang="en-US" dirty="0" smtClean="0"/>
+              <a:t>with older versions of Android</a:t>
             </a:r>
           </a:p>
           <a:p>
